--- a/tutorials/pipelines/tut_nn_con_bud_cla/vector files/fig11_medium.pptx
+++ b/tutorials/pipelines/tut_nn_con_bud_cla/vector files/fig11_medium.pptx
@@ -2,12 +2,12 @@
 <file path=ppt/presentation.xml><?xml version="1.0" encoding="utf-8"?>
 <p:presentation xmlns:a="http://schemas.openxmlformats.org/drawingml/2006/main" xmlns:r="http://schemas.openxmlformats.org/officeDocument/2006/relationships" xmlns:p="http://schemas.openxmlformats.org/presentationml/2006/main" saveSubsetFonts="1">
   <p:sldMasterIdLst>
-    <p:sldMasterId id="2147483744" r:id="rId1"/>
+    <p:sldMasterId id="2147483768" r:id="rId1"/>
   </p:sldMasterIdLst>
   <p:sldIdLst>
     <p:sldId id="256" r:id="rId2"/>
   </p:sldIdLst>
-  <p:sldSz cx="4267200" cy="3959225"/>
+  <p:sldSz cx="4267200" cy="2879725"/>
   <p:notesSz cx="6858000" cy="9144000"/>
   <p:defaultTextStyle>
     <a:defPPr>
@@ -141,15 +141,15 @@
         </p:nvSpPr>
         <p:spPr>
           <a:xfrm>
-            <a:off x="320040" y="647957"/>
-            <a:ext cx="3627120" cy="1378397"/>
+            <a:off x="320040" y="471289"/>
+            <a:ext cx="3627120" cy="1002571"/>
           </a:xfrm>
         </p:spPr>
         <p:txBody>
           <a:bodyPr anchor="b"/>
           <a:lstStyle>
             <a:lvl1pPr algn="ctr">
-              <a:defRPr sz="2800"/>
+              <a:defRPr sz="2519"/>
             </a:lvl1pPr>
           </a:lstStyle>
           <a:p>
@@ -173,8 +173,8 @@
         </p:nvSpPr>
         <p:spPr>
           <a:xfrm>
-            <a:off x="533400" y="2079510"/>
-            <a:ext cx="3200400" cy="955896"/>
+            <a:off x="533400" y="1512522"/>
+            <a:ext cx="3200400" cy="695267"/>
           </a:xfrm>
         </p:spPr>
         <p:txBody>
@@ -182,39 +182,39 @@
           <a:lstStyle>
             <a:lvl1pPr marL="0" indent="0" algn="ctr">
               <a:buNone/>
-              <a:defRPr sz="1120"/>
+              <a:defRPr sz="1008"/>
             </a:lvl1pPr>
-            <a:lvl2pPr marL="213375" indent="0" algn="ctr">
-              <a:buNone/>
-              <a:defRPr sz="933"/>
+            <a:lvl2pPr marL="191978" indent="0" algn="ctr">
+              <a:buNone/>
+              <a:defRPr sz="840"/>
             </a:lvl2pPr>
-            <a:lvl3pPr marL="426750" indent="0" algn="ctr">
-              <a:buNone/>
-              <a:defRPr sz="840"/>
+            <a:lvl3pPr marL="383957" indent="0" algn="ctr">
+              <a:buNone/>
+              <a:defRPr sz="756"/>
             </a:lvl3pPr>
-            <a:lvl4pPr marL="640126" indent="0" algn="ctr">
-              <a:buNone/>
-              <a:defRPr sz="747"/>
+            <a:lvl4pPr marL="575935" indent="0" algn="ctr">
+              <a:buNone/>
+              <a:defRPr sz="672"/>
             </a:lvl4pPr>
-            <a:lvl5pPr marL="853501" indent="0" algn="ctr">
-              <a:buNone/>
-              <a:defRPr sz="747"/>
+            <a:lvl5pPr marL="767913" indent="0" algn="ctr">
+              <a:buNone/>
+              <a:defRPr sz="672"/>
             </a:lvl5pPr>
-            <a:lvl6pPr marL="1066876" indent="0" algn="ctr">
-              <a:buNone/>
-              <a:defRPr sz="747"/>
+            <a:lvl6pPr marL="959891" indent="0" algn="ctr">
+              <a:buNone/>
+              <a:defRPr sz="672"/>
             </a:lvl6pPr>
-            <a:lvl7pPr marL="1280251" indent="0" algn="ctr">
-              <a:buNone/>
-              <a:defRPr sz="747"/>
+            <a:lvl7pPr marL="1151870" indent="0" algn="ctr">
+              <a:buNone/>
+              <a:defRPr sz="672"/>
             </a:lvl7pPr>
-            <a:lvl8pPr marL="1493627" indent="0" algn="ctr">
-              <a:buNone/>
-              <a:defRPr sz="747"/>
+            <a:lvl8pPr marL="1343848" indent="0" algn="ctr">
+              <a:buNone/>
+              <a:defRPr sz="672"/>
             </a:lvl8pPr>
-            <a:lvl9pPr marL="1707002" indent="0" algn="ctr">
-              <a:buNone/>
-              <a:defRPr sz="747"/>
+            <a:lvl9pPr marL="1535826" indent="0" algn="ctr">
+              <a:buNone/>
+              <a:defRPr sz="672"/>
             </a:lvl9pPr>
           </a:lstStyle>
           <a:p>
@@ -243,7 +243,7 @@
           <a:p>
             <a:fld id="{CA1BB51F-BFC6-4DD3-8C2A-5B21FD6F69C3}" type="datetimeFigureOut">
               <a:rPr lang="en-SE" smtClean="0"/>
-              <a:t>10/01/2023</a:t>
+              <a:t>2023-10-08</a:t>
             </a:fld>
             <a:endParaRPr lang="en-SE"/>
           </a:p>
@@ -294,7 +294,7 @@
     </p:spTree>
     <p:extLst>
       <p:ext uri="{BB962C8B-B14F-4D97-AF65-F5344CB8AC3E}">
-        <p14:creationId xmlns:p14="http://schemas.microsoft.com/office/powerpoint/2010/main" val="1236452982"/>
+        <p14:creationId xmlns:p14="http://schemas.microsoft.com/office/powerpoint/2010/main" val="1665190040"/>
       </p:ext>
     </p:extLst>
   </p:cSld>
@@ -413,7 +413,7 @@
           <a:p>
             <a:fld id="{CA1BB51F-BFC6-4DD3-8C2A-5B21FD6F69C3}" type="datetimeFigureOut">
               <a:rPr lang="en-SE" smtClean="0"/>
-              <a:t>10/01/2023</a:t>
+              <a:t>2023-10-08</a:t>
             </a:fld>
             <a:endParaRPr lang="en-SE"/>
           </a:p>
@@ -464,7 +464,7 @@
     </p:spTree>
     <p:extLst>
       <p:ext uri="{BB962C8B-B14F-4D97-AF65-F5344CB8AC3E}">
-        <p14:creationId xmlns:p14="http://schemas.microsoft.com/office/powerpoint/2010/main" val="3581894452"/>
+        <p14:creationId xmlns:p14="http://schemas.microsoft.com/office/powerpoint/2010/main" val="1732713558"/>
       </p:ext>
     </p:extLst>
   </p:cSld>
@@ -503,8 +503,8 @@
         </p:nvSpPr>
         <p:spPr>
           <a:xfrm>
-            <a:off x="3053715" y="210792"/>
-            <a:ext cx="920115" cy="3355260"/>
+            <a:off x="3053715" y="153319"/>
+            <a:ext cx="920115" cy="2440434"/>
           </a:xfrm>
         </p:spPr>
         <p:txBody>
@@ -531,8 +531,8 @@
         </p:nvSpPr>
         <p:spPr>
           <a:xfrm>
-            <a:off x="293370" y="210792"/>
-            <a:ext cx="2707005" cy="3355260"/>
+            <a:off x="293370" y="153319"/>
+            <a:ext cx="2707005" cy="2440434"/>
           </a:xfrm>
         </p:spPr>
         <p:txBody>
@@ -593,7 +593,7 @@
           <a:p>
             <a:fld id="{CA1BB51F-BFC6-4DD3-8C2A-5B21FD6F69C3}" type="datetimeFigureOut">
               <a:rPr lang="en-SE" smtClean="0"/>
-              <a:t>10/01/2023</a:t>
+              <a:t>2023-10-08</a:t>
             </a:fld>
             <a:endParaRPr lang="en-SE"/>
           </a:p>
@@ -644,7 +644,7 @@
     </p:spTree>
     <p:extLst>
       <p:ext uri="{BB962C8B-B14F-4D97-AF65-F5344CB8AC3E}">
-        <p14:creationId xmlns:p14="http://schemas.microsoft.com/office/powerpoint/2010/main" val="739373166"/>
+        <p14:creationId xmlns:p14="http://schemas.microsoft.com/office/powerpoint/2010/main" val="3514053451"/>
       </p:ext>
     </p:extLst>
   </p:cSld>
@@ -763,7 +763,7 @@
           <a:p>
             <a:fld id="{CA1BB51F-BFC6-4DD3-8C2A-5B21FD6F69C3}" type="datetimeFigureOut">
               <a:rPr lang="en-SE" smtClean="0"/>
-              <a:t>10/01/2023</a:t>
+              <a:t>2023-10-08</a:t>
             </a:fld>
             <a:endParaRPr lang="en-SE"/>
           </a:p>
@@ -814,7 +814,7 @@
     </p:spTree>
     <p:extLst>
       <p:ext uri="{BB962C8B-B14F-4D97-AF65-F5344CB8AC3E}">
-        <p14:creationId xmlns:p14="http://schemas.microsoft.com/office/powerpoint/2010/main" val="2562707173"/>
+        <p14:creationId xmlns:p14="http://schemas.microsoft.com/office/powerpoint/2010/main" val="1447829284"/>
       </p:ext>
     </p:extLst>
   </p:cSld>
@@ -853,15 +853,15 @@
         </p:nvSpPr>
         <p:spPr>
           <a:xfrm>
-            <a:off x="291148" y="987058"/>
-            <a:ext cx="3680460" cy="1646927"/>
+            <a:off x="291148" y="717932"/>
+            <a:ext cx="3680460" cy="1197885"/>
           </a:xfrm>
         </p:spPr>
         <p:txBody>
           <a:bodyPr anchor="b"/>
           <a:lstStyle>
             <a:lvl1pPr>
-              <a:defRPr sz="2800"/>
+              <a:defRPr sz="2519"/>
             </a:lvl1pPr>
           </a:lstStyle>
           <a:p>
@@ -885,8 +885,8 @@
         </p:nvSpPr>
         <p:spPr>
           <a:xfrm>
-            <a:off x="291148" y="2649566"/>
-            <a:ext cx="3680460" cy="866080"/>
+            <a:off x="291148" y="1927150"/>
+            <a:ext cx="3680460" cy="629940"/>
           </a:xfrm>
         </p:spPr>
         <p:txBody>
@@ -894,15 +894,15 @@
           <a:lstStyle>
             <a:lvl1pPr marL="0" indent="0">
               <a:buNone/>
-              <a:defRPr sz="1120">
+              <a:defRPr sz="1008">
                 <a:solidFill>
                   <a:schemeClr val="tx1"/>
                 </a:solidFill>
               </a:defRPr>
             </a:lvl1pPr>
-            <a:lvl2pPr marL="213375" indent="0">
-              <a:buNone/>
-              <a:defRPr sz="933">
+            <a:lvl2pPr marL="191978" indent="0">
+              <a:buNone/>
+              <a:defRPr sz="840">
                 <a:solidFill>
                   <a:schemeClr val="tx1">
                     <a:tint val="75000"/>
@@ -910,9 +910,9 @@
                 </a:solidFill>
               </a:defRPr>
             </a:lvl2pPr>
-            <a:lvl3pPr marL="426750" indent="0">
-              <a:buNone/>
-              <a:defRPr sz="840">
+            <a:lvl3pPr marL="383957" indent="0">
+              <a:buNone/>
+              <a:defRPr sz="756">
                 <a:solidFill>
                   <a:schemeClr val="tx1">
                     <a:tint val="75000"/>
@@ -920,9 +920,9 @@
                 </a:solidFill>
               </a:defRPr>
             </a:lvl3pPr>
-            <a:lvl4pPr marL="640126" indent="0">
-              <a:buNone/>
-              <a:defRPr sz="747">
+            <a:lvl4pPr marL="575935" indent="0">
+              <a:buNone/>
+              <a:defRPr sz="672">
                 <a:solidFill>
                   <a:schemeClr val="tx1">
                     <a:tint val="75000"/>
@@ -930,9 +930,9 @@
                 </a:solidFill>
               </a:defRPr>
             </a:lvl4pPr>
-            <a:lvl5pPr marL="853501" indent="0">
-              <a:buNone/>
-              <a:defRPr sz="747">
+            <a:lvl5pPr marL="767913" indent="0">
+              <a:buNone/>
+              <a:defRPr sz="672">
                 <a:solidFill>
                   <a:schemeClr val="tx1">
                     <a:tint val="75000"/>
@@ -940,9 +940,9 @@
                 </a:solidFill>
               </a:defRPr>
             </a:lvl5pPr>
-            <a:lvl6pPr marL="1066876" indent="0">
-              <a:buNone/>
-              <a:defRPr sz="747">
+            <a:lvl6pPr marL="959891" indent="0">
+              <a:buNone/>
+              <a:defRPr sz="672">
                 <a:solidFill>
                   <a:schemeClr val="tx1">
                     <a:tint val="75000"/>
@@ -950,9 +950,9 @@
                 </a:solidFill>
               </a:defRPr>
             </a:lvl6pPr>
-            <a:lvl7pPr marL="1280251" indent="0">
-              <a:buNone/>
-              <a:defRPr sz="747">
+            <a:lvl7pPr marL="1151870" indent="0">
+              <a:buNone/>
+              <a:defRPr sz="672">
                 <a:solidFill>
                   <a:schemeClr val="tx1">
                     <a:tint val="75000"/>
@@ -960,9 +960,9 @@
                 </a:solidFill>
               </a:defRPr>
             </a:lvl7pPr>
-            <a:lvl8pPr marL="1493627" indent="0">
-              <a:buNone/>
-              <a:defRPr sz="747">
+            <a:lvl8pPr marL="1343848" indent="0">
+              <a:buNone/>
+              <a:defRPr sz="672">
                 <a:solidFill>
                   <a:schemeClr val="tx1">
                     <a:tint val="75000"/>
@@ -970,9 +970,9 @@
                 </a:solidFill>
               </a:defRPr>
             </a:lvl8pPr>
-            <a:lvl9pPr marL="1707002" indent="0">
-              <a:buNone/>
-              <a:defRPr sz="747">
+            <a:lvl9pPr marL="1535826" indent="0">
+              <a:buNone/>
+              <a:defRPr sz="672">
                 <a:solidFill>
                   <a:schemeClr val="tx1">
                     <a:tint val="75000"/>
@@ -1007,7 +1007,7 @@
           <a:p>
             <a:fld id="{CA1BB51F-BFC6-4DD3-8C2A-5B21FD6F69C3}" type="datetimeFigureOut">
               <a:rPr lang="en-SE" smtClean="0"/>
-              <a:t>10/01/2023</a:t>
+              <a:t>2023-10-08</a:t>
             </a:fld>
             <a:endParaRPr lang="en-SE"/>
           </a:p>
@@ -1058,7 +1058,7 @@
     </p:spTree>
     <p:extLst>
       <p:ext uri="{BB962C8B-B14F-4D97-AF65-F5344CB8AC3E}">
-        <p14:creationId xmlns:p14="http://schemas.microsoft.com/office/powerpoint/2010/main" val="2050161937"/>
+        <p14:creationId xmlns:p14="http://schemas.microsoft.com/office/powerpoint/2010/main" val="378305622"/>
       </p:ext>
     </p:extLst>
   </p:cSld>
@@ -1120,8 +1120,8 @@
         </p:nvSpPr>
         <p:spPr>
           <a:xfrm>
-            <a:off x="293370" y="1053960"/>
-            <a:ext cx="1813560" cy="2512092"/>
+            <a:off x="293370" y="766593"/>
+            <a:ext cx="1813560" cy="1827159"/>
           </a:xfrm>
         </p:spPr>
         <p:txBody>
@@ -1177,8 +1177,8 @@
         </p:nvSpPr>
         <p:spPr>
           <a:xfrm>
-            <a:off x="2160270" y="1053960"/>
-            <a:ext cx="1813560" cy="2512092"/>
+            <a:off x="2160270" y="766593"/>
+            <a:ext cx="1813560" cy="1827159"/>
           </a:xfrm>
         </p:spPr>
         <p:txBody>
@@ -1239,7 +1239,7 @@
           <a:p>
             <a:fld id="{CA1BB51F-BFC6-4DD3-8C2A-5B21FD6F69C3}" type="datetimeFigureOut">
               <a:rPr lang="en-SE" smtClean="0"/>
-              <a:t>10/01/2023</a:t>
+              <a:t>2023-10-08</a:t>
             </a:fld>
             <a:endParaRPr lang="en-SE"/>
           </a:p>
@@ -1290,7 +1290,7 @@
     </p:spTree>
     <p:extLst>
       <p:ext uri="{BB962C8B-B14F-4D97-AF65-F5344CB8AC3E}">
-        <p14:creationId xmlns:p14="http://schemas.microsoft.com/office/powerpoint/2010/main" val="113365829"/>
+        <p14:creationId xmlns:p14="http://schemas.microsoft.com/office/powerpoint/2010/main" val="1150532310"/>
       </p:ext>
     </p:extLst>
   </p:cSld>
@@ -1329,8 +1329,8 @@
         </p:nvSpPr>
         <p:spPr>
           <a:xfrm>
-            <a:off x="293926" y="210793"/>
-            <a:ext cx="3680460" cy="765267"/>
+            <a:off x="293926" y="153319"/>
+            <a:ext cx="3680460" cy="556614"/>
           </a:xfrm>
         </p:spPr>
         <p:txBody>
@@ -1357,8 +1357,8 @@
         </p:nvSpPr>
         <p:spPr>
           <a:xfrm>
-            <a:off x="293926" y="970560"/>
-            <a:ext cx="1805225" cy="475657"/>
+            <a:off x="293926" y="705933"/>
+            <a:ext cx="1805225" cy="345967"/>
           </a:xfrm>
         </p:spPr>
         <p:txBody>
@@ -1366,39 +1366,39 @@
           <a:lstStyle>
             <a:lvl1pPr marL="0" indent="0">
               <a:buNone/>
-              <a:defRPr sz="1120" b="1"/>
+              <a:defRPr sz="1008" b="1"/>
             </a:lvl1pPr>
-            <a:lvl2pPr marL="213375" indent="0">
-              <a:buNone/>
-              <a:defRPr sz="933" b="1"/>
+            <a:lvl2pPr marL="191978" indent="0">
+              <a:buNone/>
+              <a:defRPr sz="840" b="1"/>
             </a:lvl2pPr>
-            <a:lvl3pPr marL="426750" indent="0">
-              <a:buNone/>
-              <a:defRPr sz="840" b="1"/>
+            <a:lvl3pPr marL="383957" indent="0">
+              <a:buNone/>
+              <a:defRPr sz="756" b="1"/>
             </a:lvl3pPr>
-            <a:lvl4pPr marL="640126" indent="0">
-              <a:buNone/>
-              <a:defRPr sz="747" b="1"/>
+            <a:lvl4pPr marL="575935" indent="0">
+              <a:buNone/>
+              <a:defRPr sz="672" b="1"/>
             </a:lvl4pPr>
-            <a:lvl5pPr marL="853501" indent="0">
-              <a:buNone/>
-              <a:defRPr sz="747" b="1"/>
+            <a:lvl5pPr marL="767913" indent="0">
+              <a:buNone/>
+              <a:defRPr sz="672" b="1"/>
             </a:lvl5pPr>
-            <a:lvl6pPr marL="1066876" indent="0">
-              <a:buNone/>
-              <a:defRPr sz="747" b="1"/>
+            <a:lvl6pPr marL="959891" indent="0">
+              <a:buNone/>
+              <a:defRPr sz="672" b="1"/>
             </a:lvl6pPr>
-            <a:lvl7pPr marL="1280251" indent="0">
-              <a:buNone/>
-              <a:defRPr sz="747" b="1"/>
+            <a:lvl7pPr marL="1151870" indent="0">
+              <a:buNone/>
+              <a:defRPr sz="672" b="1"/>
             </a:lvl7pPr>
-            <a:lvl8pPr marL="1493627" indent="0">
-              <a:buNone/>
-              <a:defRPr sz="747" b="1"/>
+            <a:lvl8pPr marL="1343848" indent="0">
+              <a:buNone/>
+              <a:defRPr sz="672" b="1"/>
             </a:lvl8pPr>
-            <a:lvl9pPr marL="1707002" indent="0">
-              <a:buNone/>
-              <a:defRPr sz="747" b="1"/>
+            <a:lvl9pPr marL="1535826" indent="0">
+              <a:buNone/>
+              <a:defRPr sz="672" b="1"/>
             </a:lvl9pPr>
           </a:lstStyle>
           <a:p>
@@ -1422,8 +1422,8 @@
         </p:nvSpPr>
         <p:spPr>
           <a:xfrm>
-            <a:off x="293926" y="1446217"/>
-            <a:ext cx="1805225" cy="2127167"/>
+            <a:off x="293926" y="1051899"/>
+            <a:ext cx="1805225" cy="1547186"/>
           </a:xfrm>
         </p:spPr>
         <p:txBody>
@@ -1479,8 +1479,8 @@
         </p:nvSpPr>
         <p:spPr>
           <a:xfrm>
-            <a:off x="2160270" y="970560"/>
-            <a:ext cx="1814116" cy="475657"/>
+            <a:off x="2160270" y="705933"/>
+            <a:ext cx="1814116" cy="345967"/>
           </a:xfrm>
         </p:spPr>
         <p:txBody>
@@ -1488,39 +1488,39 @@
           <a:lstStyle>
             <a:lvl1pPr marL="0" indent="0">
               <a:buNone/>
-              <a:defRPr sz="1120" b="1"/>
+              <a:defRPr sz="1008" b="1"/>
             </a:lvl1pPr>
-            <a:lvl2pPr marL="213375" indent="0">
-              <a:buNone/>
-              <a:defRPr sz="933" b="1"/>
+            <a:lvl2pPr marL="191978" indent="0">
+              <a:buNone/>
+              <a:defRPr sz="840" b="1"/>
             </a:lvl2pPr>
-            <a:lvl3pPr marL="426750" indent="0">
-              <a:buNone/>
-              <a:defRPr sz="840" b="1"/>
+            <a:lvl3pPr marL="383957" indent="0">
+              <a:buNone/>
+              <a:defRPr sz="756" b="1"/>
             </a:lvl3pPr>
-            <a:lvl4pPr marL="640126" indent="0">
-              <a:buNone/>
-              <a:defRPr sz="747" b="1"/>
+            <a:lvl4pPr marL="575935" indent="0">
+              <a:buNone/>
+              <a:defRPr sz="672" b="1"/>
             </a:lvl4pPr>
-            <a:lvl5pPr marL="853501" indent="0">
-              <a:buNone/>
-              <a:defRPr sz="747" b="1"/>
+            <a:lvl5pPr marL="767913" indent="0">
+              <a:buNone/>
+              <a:defRPr sz="672" b="1"/>
             </a:lvl5pPr>
-            <a:lvl6pPr marL="1066876" indent="0">
-              <a:buNone/>
-              <a:defRPr sz="747" b="1"/>
+            <a:lvl6pPr marL="959891" indent="0">
+              <a:buNone/>
+              <a:defRPr sz="672" b="1"/>
             </a:lvl6pPr>
-            <a:lvl7pPr marL="1280251" indent="0">
-              <a:buNone/>
-              <a:defRPr sz="747" b="1"/>
+            <a:lvl7pPr marL="1151870" indent="0">
+              <a:buNone/>
+              <a:defRPr sz="672" b="1"/>
             </a:lvl7pPr>
-            <a:lvl8pPr marL="1493627" indent="0">
-              <a:buNone/>
-              <a:defRPr sz="747" b="1"/>
+            <a:lvl8pPr marL="1343848" indent="0">
+              <a:buNone/>
+              <a:defRPr sz="672" b="1"/>
             </a:lvl8pPr>
-            <a:lvl9pPr marL="1707002" indent="0">
-              <a:buNone/>
-              <a:defRPr sz="747" b="1"/>
+            <a:lvl9pPr marL="1535826" indent="0">
+              <a:buNone/>
+              <a:defRPr sz="672" b="1"/>
             </a:lvl9pPr>
           </a:lstStyle>
           <a:p>
@@ -1544,8 +1544,8 @@
         </p:nvSpPr>
         <p:spPr>
           <a:xfrm>
-            <a:off x="2160270" y="1446217"/>
-            <a:ext cx="1814116" cy="2127167"/>
+            <a:off x="2160270" y="1051899"/>
+            <a:ext cx="1814116" cy="1547186"/>
           </a:xfrm>
         </p:spPr>
         <p:txBody>
@@ -1606,7 +1606,7 @@
           <a:p>
             <a:fld id="{CA1BB51F-BFC6-4DD3-8C2A-5B21FD6F69C3}" type="datetimeFigureOut">
               <a:rPr lang="en-SE" smtClean="0"/>
-              <a:t>10/01/2023</a:t>
+              <a:t>2023-10-08</a:t>
             </a:fld>
             <a:endParaRPr lang="en-SE"/>
           </a:p>
@@ -1657,7 +1657,7 @@
     </p:spTree>
     <p:extLst>
       <p:ext uri="{BB962C8B-B14F-4D97-AF65-F5344CB8AC3E}">
-        <p14:creationId xmlns:p14="http://schemas.microsoft.com/office/powerpoint/2010/main" val="4075523496"/>
+        <p14:creationId xmlns:p14="http://schemas.microsoft.com/office/powerpoint/2010/main" val="3721481169"/>
       </p:ext>
     </p:extLst>
   </p:cSld>
@@ -1724,7 +1724,7 @@
           <a:p>
             <a:fld id="{CA1BB51F-BFC6-4DD3-8C2A-5B21FD6F69C3}" type="datetimeFigureOut">
               <a:rPr lang="en-SE" smtClean="0"/>
-              <a:t>10/01/2023</a:t>
+              <a:t>2023-10-08</a:t>
             </a:fld>
             <a:endParaRPr lang="en-SE"/>
           </a:p>
@@ -1775,7 +1775,7 @@
     </p:spTree>
     <p:extLst>
       <p:ext uri="{BB962C8B-B14F-4D97-AF65-F5344CB8AC3E}">
-        <p14:creationId xmlns:p14="http://schemas.microsoft.com/office/powerpoint/2010/main" val="1769425859"/>
+        <p14:creationId xmlns:p14="http://schemas.microsoft.com/office/powerpoint/2010/main" val="3738215040"/>
       </p:ext>
     </p:extLst>
   </p:cSld>
@@ -1819,7 +1819,7 @@
           <a:p>
             <a:fld id="{CA1BB51F-BFC6-4DD3-8C2A-5B21FD6F69C3}" type="datetimeFigureOut">
               <a:rPr lang="en-SE" smtClean="0"/>
-              <a:t>10/01/2023</a:t>
+              <a:t>2023-10-08</a:t>
             </a:fld>
             <a:endParaRPr lang="en-SE"/>
           </a:p>
@@ -1870,7 +1870,7 @@
     </p:spTree>
     <p:extLst>
       <p:ext uri="{BB962C8B-B14F-4D97-AF65-F5344CB8AC3E}">
-        <p14:creationId xmlns:p14="http://schemas.microsoft.com/office/powerpoint/2010/main" val="135296210"/>
+        <p14:creationId xmlns:p14="http://schemas.microsoft.com/office/powerpoint/2010/main" val="3112595775"/>
       </p:ext>
     </p:extLst>
   </p:cSld>
@@ -1909,15 +1909,15 @@
         </p:nvSpPr>
         <p:spPr>
           <a:xfrm>
-            <a:off x="293926" y="263948"/>
-            <a:ext cx="1376283" cy="923819"/>
+            <a:off x="293926" y="191982"/>
+            <a:ext cx="1376283" cy="671936"/>
           </a:xfrm>
         </p:spPr>
         <p:txBody>
           <a:bodyPr anchor="b"/>
           <a:lstStyle>
             <a:lvl1pPr>
-              <a:defRPr sz="1493"/>
+              <a:defRPr sz="1344"/>
             </a:lvl1pPr>
           </a:lstStyle>
           <a:p>
@@ -1941,39 +1941,39 @@
         </p:nvSpPr>
         <p:spPr>
           <a:xfrm>
-            <a:off x="1814116" y="570056"/>
-            <a:ext cx="2160270" cy="2813616"/>
+            <a:off x="1814116" y="414628"/>
+            <a:ext cx="2160270" cy="2046471"/>
           </a:xfrm>
         </p:spPr>
         <p:txBody>
           <a:bodyPr/>
           <a:lstStyle>
             <a:lvl1pPr>
-              <a:defRPr sz="1493"/>
+              <a:defRPr sz="1344"/>
             </a:lvl1pPr>
             <a:lvl2pPr>
-              <a:defRPr sz="1307"/>
+              <a:defRPr sz="1176"/>
             </a:lvl2pPr>
             <a:lvl3pPr>
-              <a:defRPr sz="1120"/>
+              <a:defRPr sz="1008"/>
             </a:lvl3pPr>
             <a:lvl4pPr>
-              <a:defRPr sz="933"/>
+              <a:defRPr sz="840"/>
             </a:lvl4pPr>
             <a:lvl5pPr>
-              <a:defRPr sz="933"/>
+              <a:defRPr sz="840"/>
             </a:lvl5pPr>
             <a:lvl6pPr>
-              <a:defRPr sz="933"/>
+              <a:defRPr sz="840"/>
             </a:lvl6pPr>
             <a:lvl7pPr>
-              <a:defRPr sz="933"/>
+              <a:defRPr sz="840"/>
             </a:lvl7pPr>
             <a:lvl8pPr>
-              <a:defRPr sz="933"/>
+              <a:defRPr sz="840"/>
             </a:lvl8pPr>
             <a:lvl9pPr>
-              <a:defRPr sz="933"/>
+              <a:defRPr sz="840"/>
             </a:lvl9pPr>
           </a:lstStyle>
           <a:p>
@@ -2026,8 +2026,8 @@
         </p:nvSpPr>
         <p:spPr>
           <a:xfrm>
-            <a:off x="293926" y="1187768"/>
-            <a:ext cx="1376283" cy="2200486"/>
+            <a:off x="293926" y="863918"/>
+            <a:ext cx="1376283" cy="1600514"/>
           </a:xfrm>
         </p:spPr>
         <p:txBody>
@@ -2035,39 +2035,39 @@
           <a:lstStyle>
             <a:lvl1pPr marL="0" indent="0">
               <a:buNone/>
-              <a:defRPr sz="747"/>
+              <a:defRPr sz="672"/>
             </a:lvl1pPr>
-            <a:lvl2pPr marL="213375" indent="0">
-              <a:buNone/>
-              <a:defRPr sz="653"/>
+            <a:lvl2pPr marL="191978" indent="0">
+              <a:buNone/>
+              <a:defRPr sz="588"/>
             </a:lvl2pPr>
-            <a:lvl3pPr marL="426750" indent="0">
-              <a:buNone/>
-              <a:defRPr sz="560"/>
+            <a:lvl3pPr marL="383957" indent="0">
+              <a:buNone/>
+              <a:defRPr sz="504"/>
             </a:lvl3pPr>
-            <a:lvl4pPr marL="640126" indent="0">
-              <a:buNone/>
-              <a:defRPr sz="467"/>
+            <a:lvl4pPr marL="575935" indent="0">
+              <a:buNone/>
+              <a:defRPr sz="420"/>
             </a:lvl4pPr>
-            <a:lvl5pPr marL="853501" indent="0">
-              <a:buNone/>
-              <a:defRPr sz="467"/>
+            <a:lvl5pPr marL="767913" indent="0">
+              <a:buNone/>
+              <a:defRPr sz="420"/>
             </a:lvl5pPr>
-            <a:lvl6pPr marL="1066876" indent="0">
-              <a:buNone/>
-              <a:defRPr sz="467"/>
+            <a:lvl6pPr marL="959891" indent="0">
+              <a:buNone/>
+              <a:defRPr sz="420"/>
             </a:lvl6pPr>
-            <a:lvl7pPr marL="1280251" indent="0">
-              <a:buNone/>
-              <a:defRPr sz="467"/>
+            <a:lvl7pPr marL="1151870" indent="0">
+              <a:buNone/>
+              <a:defRPr sz="420"/>
             </a:lvl7pPr>
-            <a:lvl8pPr marL="1493627" indent="0">
-              <a:buNone/>
-              <a:defRPr sz="467"/>
+            <a:lvl8pPr marL="1343848" indent="0">
+              <a:buNone/>
+              <a:defRPr sz="420"/>
             </a:lvl8pPr>
-            <a:lvl9pPr marL="1707002" indent="0">
-              <a:buNone/>
-              <a:defRPr sz="467"/>
+            <a:lvl9pPr marL="1535826" indent="0">
+              <a:buNone/>
+              <a:defRPr sz="420"/>
             </a:lvl9pPr>
           </a:lstStyle>
           <a:p>
@@ -2096,7 +2096,7 @@
           <a:p>
             <a:fld id="{CA1BB51F-BFC6-4DD3-8C2A-5B21FD6F69C3}" type="datetimeFigureOut">
               <a:rPr lang="en-SE" smtClean="0"/>
-              <a:t>10/01/2023</a:t>
+              <a:t>2023-10-08</a:t>
             </a:fld>
             <a:endParaRPr lang="en-SE"/>
           </a:p>
@@ -2147,7 +2147,7 @@
     </p:spTree>
     <p:extLst>
       <p:ext uri="{BB962C8B-B14F-4D97-AF65-F5344CB8AC3E}">
-        <p14:creationId xmlns:p14="http://schemas.microsoft.com/office/powerpoint/2010/main" val="2135956681"/>
+        <p14:creationId xmlns:p14="http://schemas.microsoft.com/office/powerpoint/2010/main" val="550991869"/>
       </p:ext>
     </p:extLst>
   </p:cSld>
@@ -2186,15 +2186,15 @@
         </p:nvSpPr>
         <p:spPr>
           <a:xfrm>
-            <a:off x="293926" y="263948"/>
-            <a:ext cx="1376283" cy="923819"/>
+            <a:off x="293926" y="191982"/>
+            <a:ext cx="1376283" cy="671936"/>
           </a:xfrm>
         </p:spPr>
         <p:txBody>
           <a:bodyPr anchor="b"/>
           <a:lstStyle>
             <a:lvl1pPr>
-              <a:defRPr sz="1493"/>
+              <a:defRPr sz="1344"/>
             </a:lvl1pPr>
           </a:lstStyle>
           <a:p>
@@ -2218,8 +2218,8 @@
         </p:nvSpPr>
         <p:spPr>
           <a:xfrm>
-            <a:off x="1814116" y="570056"/>
-            <a:ext cx="2160270" cy="2813616"/>
+            <a:off x="1814116" y="414628"/>
+            <a:ext cx="2160270" cy="2046471"/>
           </a:xfrm>
         </p:spPr>
         <p:txBody>
@@ -2227,39 +2227,39 @@
           <a:lstStyle>
             <a:lvl1pPr marL="0" indent="0">
               <a:buNone/>
-              <a:defRPr sz="1493"/>
+              <a:defRPr sz="1344"/>
             </a:lvl1pPr>
-            <a:lvl2pPr marL="213375" indent="0">
-              <a:buNone/>
-              <a:defRPr sz="1307"/>
+            <a:lvl2pPr marL="191978" indent="0">
+              <a:buNone/>
+              <a:defRPr sz="1176"/>
             </a:lvl2pPr>
-            <a:lvl3pPr marL="426750" indent="0">
-              <a:buNone/>
-              <a:defRPr sz="1120"/>
+            <a:lvl3pPr marL="383957" indent="0">
+              <a:buNone/>
+              <a:defRPr sz="1008"/>
             </a:lvl3pPr>
-            <a:lvl4pPr marL="640126" indent="0">
-              <a:buNone/>
-              <a:defRPr sz="933"/>
+            <a:lvl4pPr marL="575935" indent="0">
+              <a:buNone/>
+              <a:defRPr sz="840"/>
             </a:lvl4pPr>
-            <a:lvl5pPr marL="853501" indent="0">
-              <a:buNone/>
-              <a:defRPr sz="933"/>
+            <a:lvl5pPr marL="767913" indent="0">
+              <a:buNone/>
+              <a:defRPr sz="840"/>
             </a:lvl5pPr>
-            <a:lvl6pPr marL="1066876" indent="0">
-              <a:buNone/>
-              <a:defRPr sz="933"/>
+            <a:lvl6pPr marL="959891" indent="0">
+              <a:buNone/>
+              <a:defRPr sz="840"/>
             </a:lvl6pPr>
-            <a:lvl7pPr marL="1280251" indent="0">
-              <a:buNone/>
-              <a:defRPr sz="933"/>
+            <a:lvl7pPr marL="1151870" indent="0">
+              <a:buNone/>
+              <a:defRPr sz="840"/>
             </a:lvl7pPr>
-            <a:lvl8pPr marL="1493627" indent="0">
-              <a:buNone/>
-              <a:defRPr sz="933"/>
+            <a:lvl8pPr marL="1343848" indent="0">
+              <a:buNone/>
+              <a:defRPr sz="840"/>
             </a:lvl8pPr>
-            <a:lvl9pPr marL="1707002" indent="0">
-              <a:buNone/>
-              <a:defRPr sz="933"/>
+            <a:lvl9pPr marL="1535826" indent="0">
+              <a:buNone/>
+              <a:defRPr sz="840"/>
             </a:lvl9pPr>
           </a:lstStyle>
           <a:p>
@@ -2283,8 +2283,8 @@
         </p:nvSpPr>
         <p:spPr>
           <a:xfrm>
-            <a:off x="293926" y="1187768"/>
-            <a:ext cx="1376283" cy="2200486"/>
+            <a:off x="293926" y="863918"/>
+            <a:ext cx="1376283" cy="1600514"/>
           </a:xfrm>
         </p:spPr>
         <p:txBody>
@@ -2292,39 +2292,39 @@
           <a:lstStyle>
             <a:lvl1pPr marL="0" indent="0">
               <a:buNone/>
-              <a:defRPr sz="747"/>
+              <a:defRPr sz="672"/>
             </a:lvl1pPr>
-            <a:lvl2pPr marL="213375" indent="0">
-              <a:buNone/>
-              <a:defRPr sz="653"/>
+            <a:lvl2pPr marL="191978" indent="0">
+              <a:buNone/>
+              <a:defRPr sz="588"/>
             </a:lvl2pPr>
-            <a:lvl3pPr marL="426750" indent="0">
-              <a:buNone/>
-              <a:defRPr sz="560"/>
+            <a:lvl3pPr marL="383957" indent="0">
+              <a:buNone/>
+              <a:defRPr sz="504"/>
             </a:lvl3pPr>
-            <a:lvl4pPr marL="640126" indent="0">
-              <a:buNone/>
-              <a:defRPr sz="467"/>
+            <a:lvl4pPr marL="575935" indent="0">
+              <a:buNone/>
+              <a:defRPr sz="420"/>
             </a:lvl4pPr>
-            <a:lvl5pPr marL="853501" indent="0">
-              <a:buNone/>
-              <a:defRPr sz="467"/>
+            <a:lvl5pPr marL="767913" indent="0">
+              <a:buNone/>
+              <a:defRPr sz="420"/>
             </a:lvl5pPr>
-            <a:lvl6pPr marL="1066876" indent="0">
-              <a:buNone/>
-              <a:defRPr sz="467"/>
+            <a:lvl6pPr marL="959891" indent="0">
+              <a:buNone/>
+              <a:defRPr sz="420"/>
             </a:lvl6pPr>
-            <a:lvl7pPr marL="1280251" indent="0">
-              <a:buNone/>
-              <a:defRPr sz="467"/>
+            <a:lvl7pPr marL="1151870" indent="0">
+              <a:buNone/>
+              <a:defRPr sz="420"/>
             </a:lvl7pPr>
-            <a:lvl8pPr marL="1493627" indent="0">
-              <a:buNone/>
-              <a:defRPr sz="467"/>
+            <a:lvl8pPr marL="1343848" indent="0">
+              <a:buNone/>
+              <a:defRPr sz="420"/>
             </a:lvl8pPr>
-            <a:lvl9pPr marL="1707002" indent="0">
-              <a:buNone/>
-              <a:defRPr sz="467"/>
+            <a:lvl9pPr marL="1535826" indent="0">
+              <a:buNone/>
+              <a:defRPr sz="420"/>
             </a:lvl9pPr>
           </a:lstStyle>
           <a:p>
@@ -2353,7 +2353,7 @@
           <a:p>
             <a:fld id="{CA1BB51F-BFC6-4DD3-8C2A-5B21FD6F69C3}" type="datetimeFigureOut">
               <a:rPr lang="en-SE" smtClean="0"/>
-              <a:t>10/01/2023</a:t>
+              <a:t>2023-10-08</a:t>
             </a:fld>
             <a:endParaRPr lang="en-SE"/>
           </a:p>
@@ -2404,7 +2404,7 @@
     </p:spTree>
     <p:extLst>
       <p:ext uri="{BB962C8B-B14F-4D97-AF65-F5344CB8AC3E}">
-        <p14:creationId xmlns:p14="http://schemas.microsoft.com/office/powerpoint/2010/main" val="3219589031"/>
+        <p14:creationId xmlns:p14="http://schemas.microsoft.com/office/powerpoint/2010/main" val="3080685770"/>
       </p:ext>
     </p:extLst>
   </p:cSld>
@@ -2448,8 +2448,8 @@
         </p:nvSpPr>
         <p:spPr>
           <a:xfrm>
-            <a:off x="293370" y="210793"/>
-            <a:ext cx="3680460" cy="765267"/>
+            <a:off x="293370" y="153319"/>
+            <a:ext cx="3680460" cy="556614"/>
           </a:xfrm>
           <a:prstGeom prst="rect">
             <a:avLst/>
@@ -2481,8 +2481,8 @@
         </p:nvSpPr>
         <p:spPr>
           <a:xfrm>
-            <a:off x="293370" y="1053960"/>
-            <a:ext cx="3680460" cy="2512092"/>
+            <a:off x="293370" y="766593"/>
+            <a:ext cx="3680460" cy="1827159"/>
           </a:xfrm>
           <a:prstGeom prst="rect">
             <a:avLst/>
@@ -2543,8 +2543,8 @@
         </p:nvSpPr>
         <p:spPr>
           <a:xfrm>
-            <a:off x="293370" y="3669616"/>
-            <a:ext cx="960120" cy="210792"/>
+            <a:off x="293370" y="2669079"/>
+            <a:ext cx="960120" cy="153319"/>
           </a:xfrm>
           <a:prstGeom prst="rect">
             <a:avLst/>
@@ -2554,7 +2554,7 @@
           <a:bodyPr vert="horz" lIns="91440" tIns="45720" rIns="91440" bIns="45720" rtlCol="0" anchor="ctr"/>
           <a:lstStyle>
             <a:lvl1pPr algn="l">
-              <a:defRPr sz="560">
+              <a:defRPr sz="504">
                 <a:solidFill>
                   <a:schemeClr val="tx1">
                     <a:tint val="75000"/>
@@ -2566,7 +2566,7 @@
           <a:p>
             <a:fld id="{CA1BB51F-BFC6-4DD3-8C2A-5B21FD6F69C3}" type="datetimeFigureOut">
               <a:rPr lang="en-SE" smtClean="0"/>
-              <a:t>10/01/2023</a:t>
+              <a:t>2023-10-08</a:t>
             </a:fld>
             <a:endParaRPr lang="en-SE"/>
           </a:p>
@@ -2584,8 +2584,8 @@
         </p:nvSpPr>
         <p:spPr>
           <a:xfrm>
-            <a:off x="1413510" y="3669616"/>
-            <a:ext cx="1440180" cy="210792"/>
+            <a:off x="1413510" y="2669079"/>
+            <a:ext cx="1440180" cy="153319"/>
           </a:xfrm>
           <a:prstGeom prst="rect">
             <a:avLst/>
@@ -2595,7 +2595,7 @@
           <a:bodyPr vert="horz" lIns="91440" tIns="45720" rIns="91440" bIns="45720" rtlCol="0" anchor="ctr"/>
           <a:lstStyle>
             <a:lvl1pPr algn="ctr">
-              <a:defRPr sz="560">
+              <a:defRPr sz="504">
                 <a:solidFill>
                   <a:schemeClr val="tx1">
                     <a:tint val="75000"/>
@@ -2621,8 +2621,8 @@
         </p:nvSpPr>
         <p:spPr>
           <a:xfrm>
-            <a:off x="3013710" y="3669616"/>
-            <a:ext cx="960120" cy="210792"/>
+            <a:off x="3013710" y="2669079"/>
+            <a:ext cx="960120" cy="153319"/>
           </a:xfrm>
           <a:prstGeom prst="rect">
             <a:avLst/>
@@ -2632,7 +2632,7 @@
           <a:bodyPr vert="horz" lIns="91440" tIns="45720" rIns="91440" bIns="45720" rtlCol="0" anchor="ctr"/>
           <a:lstStyle>
             <a:lvl1pPr algn="r">
-              <a:defRPr sz="560">
+              <a:defRPr sz="504">
                 <a:solidFill>
                   <a:schemeClr val="tx1">
                     <a:tint val="75000"/>
@@ -2653,27 +2653,27 @@
     </p:spTree>
     <p:extLst>
       <p:ext uri="{BB962C8B-B14F-4D97-AF65-F5344CB8AC3E}">
-        <p14:creationId xmlns:p14="http://schemas.microsoft.com/office/powerpoint/2010/main" val="1254405269"/>
+        <p14:creationId xmlns:p14="http://schemas.microsoft.com/office/powerpoint/2010/main" val="810586633"/>
       </p:ext>
     </p:extLst>
   </p:cSld>
   <p:clrMap bg1="lt1" tx1="dk1" bg2="lt2" tx2="dk2" accent1="accent1" accent2="accent2" accent3="accent3" accent4="accent4" accent5="accent5" accent6="accent6" hlink="hlink" folHlink="folHlink"/>
   <p:sldLayoutIdLst>
-    <p:sldLayoutId id="2147483745" r:id="rId1"/>
-    <p:sldLayoutId id="2147483746" r:id="rId2"/>
-    <p:sldLayoutId id="2147483747" r:id="rId3"/>
-    <p:sldLayoutId id="2147483748" r:id="rId4"/>
-    <p:sldLayoutId id="2147483749" r:id="rId5"/>
-    <p:sldLayoutId id="2147483750" r:id="rId6"/>
-    <p:sldLayoutId id="2147483751" r:id="rId7"/>
-    <p:sldLayoutId id="2147483752" r:id="rId8"/>
-    <p:sldLayoutId id="2147483753" r:id="rId9"/>
-    <p:sldLayoutId id="2147483754" r:id="rId10"/>
-    <p:sldLayoutId id="2147483755" r:id="rId11"/>
+    <p:sldLayoutId id="2147483769" r:id="rId1"/>
+    <p:sldLayoutId id="2147483770" r:id="rId2"/>
+    <p:sldLayoutId id="2147483771" r:id="rId3"/>
+    <p:sldLayoutId id="2147483772" r:id="rId4"/>
+    <p:sldLayoutId id="2147483773" r:id="rId5"/>
+    <p:sldLayoutId id="2147483774" r:id="rId6"/>
+    <p:sldLayoutId id="2147483775" r:id="rId7"/>
+    <p:sldLayoutId id="2147483776" r:id="rId8"/>
+    <p:sldLayoutId id="2147483777" r:id="rId9"/>
+    <p:sldLayoutId id="2147483778" r:id="rId10"/>
+    <p:sldLayoutId id="2147483779" r:id="rId11"/>
   </p:sldLayoutIdLst>
   <p:txStyles>
     <p:titleStyle>
-      <a:lvl1pPr algn="l" defTabSz="426750" rtl="0" eaLnBrk="1" latinLnBrk="0" hangingPunct="1">
+      <a:lvl1pPr algn="l" defTabSz="383957" rtl="0" eaLnBrk="1" latinLnBrk="0" hangingPunct="1">
         <a:lnSpc>
           <a:spcPct val="90000"/>
         </a:lnSpc>
@@ -2681,7 +2681,7 @@
           <a:spcPct val="0"/>
         </a:spcBef>
         <a:buNone/>
-        <a:defRPr sz="2053" kern="1200">
+        <a:defRPr sz="1848" kern="1200">
           <a:solidFill>
             <a:schemeClr val="tx1"/>
           </a:solidFill>
@@ -2692,16 +2692,16 @@
       </a:lvl1pPr>
     </p:titleStyle>
     <p:bodyStyle>
-      <a:lvl1pPr marL="106688" indent="-106688" algn="l" defTabSz="426750" rtl="0" eaLnBrk="1" latinLnBrk="0" hangingPunct="1">
+      <a:lvl1pPr marL="95989" indent="-95989" algn="l" defTabSz="383957" rtl="0" eaLnBrk="1" latinLnBrk="0" hangingPunct="1">
         <a:lnSpc>
           <a:spcPct val="90000"/>
         </a:lnSpc>
         <a:spcBef>
-          <a:spcPts val="467"/>
+          <a:spcPts val="420"/>
         </a:spcBef>
         <a:buFont typeface="Arial" panose="020B0604020202020204" pitchFamily="34" charset="0"/>
         <a:buChar char="•"/>
-        <a:defRPr sz="1307" kern="1200">
+        <a:defRPr sz="1176" kern="1200">
           <a:solidFill>
             <a:schemeClr val="tx1"/>
           </a:solidFill>
@@ -2710,16 +2710,16 @@
           <a:cs typeface="+mn-cs"/>
         </a:defRPr>
       </a:lvl1pPr>
-      <a:lvl2pPr marL="320063" indent="-106688" algn="l" defTabSz="426750" rtl="0" eaLnBrk="1" latinLnBrk="0" hangingPunct="1">
+      <a:lvl2pPr marL="287967" indent="-95989" algn="l" defTabSz="383957" rtl="0" eaLnBrk="1" latinLnBrk="0" hangingPunct="1">
         <a:lnSpc>
           <a:spcPct val="90000"/>
         </a:lnSpc>
         <a:spcBef>
-          <a:spcPts val="233"/>
+          <a:spcPts val="210"/>
         </a:spcBef>
         <a:buFont typeface="Arial" panose="020B0604020202020204" pitchFamily="34" charset="0"/>
         <a:buChar char="•"/>
-        <a:defRPr sz="1120" kern="1200">
+        <a:defRPr sz="1008" kern="1200">
           <a:solidFill>
             <a:schemeClr val="tx1"/>
           </a:solidFill>
@@ -2728,30 +2728,12 @@
           <a:cs typeface="+mn-cs"/>
         </a:defRPr>
       </a:lvl2pPr>
-      <a:lvl3pPr marL="533438" indent="-106688" algn="l" defTabSz="426750" rtl="0" eaLnBrk="1" latinLnBrk="0" hangingPunct="1">
+      <a:lvl3pPr marL="479946" indent="-95989" algn="l" defTabSz="383957" rtl="0" eaLnBrk="1" latinLnBrk="0" hangingPunct="1">
         <a:lnSpc>
           <a:spcPct val="90000"/>
         </a:lnSpc>
         <a:spcBef>
-          <a:spcPts val="233"/>
-        </a:spcBef>
-        <a:buFont typeface="Arial" panose="020B0604020202020204" pitchFamily="34" charset="0"/>
-        <a:buChar char="•"/>
-        <a:defRPr sz="933" kern="1200">
-          <a:solidFill>
-            <a:schemeClr val="tx1"/>
-          </a:solidFill>
-          <a:latin typeface="+mn-lt"/>
-          <a:ea typeface="+mn-ea"/>
-          <a:cs typeface="+mn-cs"/>
-        </a:defRPr>
-      </a:lvl3pPr>
-      <a:lvl4pPr marL="746813" indent="-106688" algn="l" defTabSz="426750" rtl="0" eaLnBrk="1" latinLnBrk="0" hangingPunct="1">
-        <a:lnSpc>
-          <a:spcPct val="90000"/>
-        </a:lnSpc>
-        <a:spcBef>
-          <a:spcPts val="233"/>
+          <a:spcPts val="210"/>
         </a:spcBef>
         <a:buFont typeface="Arial" panose="020B0604020202020204" pitchFamily="34" charset="0"/>
         <a:buChar char="•"/>
@@ -2763,17 +2745,35 @@
           <a:ea typeface="+mn-ea"/>
           <a:cs typeface="+mn-cs"/>
         </a:defRPr>
-      </a:lvl4pPr>
-      <a:lvl5pPr marL="960189" indent="-106688" algn="l" defTabSz="426750" rtl="0" eaLnBrk="1" latinLnBrk="0" hangingPunct="1">
+      </a:lvl3pPr>
+      <a:lvl4pPr marL="671924" indent="-95989" algn="l" defTabSz="383957" rtl="0" eaLnBrk="1" latinLnBrk="0" hangingPunct="1">
         <a:lnSpc>
           <a:spcPct val="90000"/>
         </a:lnSpc>
         <a:spcBef>
-          <a:spcPts val="233"/>
+          <a:spcPts val="210"/>
         </a:spcBef>
         <a:buFont typeface="Arial" panose="020B0604020202020204" pitchFamily="34" charset="0"/>
         <a:buChar char="•"/>
-        <a:defRPr sz="840" kern="1200">
+        <a:defRPr sz="756" kern="1200">
+          <a:solidFill>
+            <a:schemeClr val="tx1"/>
+          </a:solidFill>
+          <a:latin typeface="+mn-lt"/>
+          <a:ea typeface="+mn-ea"/>
+          <a:cs typeface="+mn-cs"/>
+        </a:defRPr>
+      </a:lvl4pPr>
+      <a:lvl5pPr marL="863902" indent="-95989" algn="l" defTabSz="383957" rtl="0" eaLnBrk="1" latinLnBrk="0" hangingPunct="1">
+        <a:lnSpc>
+          <a:spcPct val="90000"/>
+        </a:lnSpc>
+        <a:spcBef>
+          <a:spcPts val="210"/>
+        </a:spcBef>
+        <a:buFont typeface="Arial" panose="020B0604020202020204" pitchFamily="34" charset="0"/>
+        <a:buChar char="•"/>
+        <a:defRPr sz="756" kern="1200">
           <a:solidFill>
             <a:schemeClr val="tx1"/>
           </a:solidFill>
@@ -2782,16 +2782,16 @@
           <a:cs typeface="+mn-cs"/>
         </a:defRPr>
       </a:lvl5pPr>
-      <a:lvl6pPr marL="1173564" indent="-106688" algn="l" defTabSz="426750" rtl="0" eaLnBrk="1" latinLnBrk="0" hangingPunct="1">
+      <a:lvl6pPr marL="1055881" indent="-95989" algn="l" defTabSz="383957" rtl="0" eaLnBrk="1" latinLnBrk="0" hangingPunct="1">
         <a:lnSpc>
           <a:spcPct val="90000"/>
         </a:lnSpc>
         <a:spcBef>
-          <a:spcPts val="233"/>
+          <a:spcPts val="210"/>
         </a:spcBef>
         <a:buFont typeface="Arial" panose="020B0604020202020204" pitchFamily="34" charset="0"/>
         <a:buChar char="•"/>
-        <a:defRPr sz="840" kern="1200">
+        <a:defRPr sz="756" kern="1200">
           <a:solidFill>
             <a:schemeClr val="tx1"/>
           </a:solidFill>
@@ -2800,16 +2800,16 @@
           <a:cs typeface="+mn-cs"/>
         </a:defRPr>
       </a:lvl6pPr>
-      <a:lvl7pPr marL="1386939" indent="-106688" algn="l" defTabSz="426750" rtl="0" eaLnBrk="1" latinLnBrk="0" hangingPunct="1">
+      <a:lvl7pPr marL="1247859" indent="-95989" algn="l" defTabSz="383957" rtl="0" eaLnBrk="1" latinLnBrk="0" hangingPunct="1">
         <a:lnSpc>
           <a:spcPct val="90000"/>
         </a:lnSpc>
         <a:spcBef>
-          <a:spcPts val="233"/>
+          <a:spcPts val="210"/>
         </a:spcBef>
         <a:buFont typeface="Arial" panose="020B0604020202020204" pitchFamily="34" charset="0"/>
         <a:buChar char="•"/>
-        <a:defRPr sz="840" kern="1200">
+        <a:defRPr sz="756" kern="1200">
           <a:solidFill>
             <a:schemeClr val="tx1"/>
           </a:solidFill>
@@ -2818,16 +2818,16 @@
           <a:cs typeface="+mn-cs"/>
         </a:defRPr>
       </a:lvl7pPr>
-      <a:lvl8pPr marL="1600314" indent="-106688" algn="l" defTabSz="426750" rtl="0" eaLnBrk="1" latinLnBrk="0" hangingPunct="1">
+      <a:lvl8pPr marL="1439837" indent="-95989" algn="l" defTabSz="383957" rtl="0" eaLnBrk="1" latinLnBrk="0" hangingPunct="1">
         <a:lnSpc>
           <a:spcPct val="90000"/>
         </a:lnSpc>
         <a:spcBef>
-          <a:spcPts val="233"/>
+          <a:spcPts val="210"/>
         </a:spcBef>
         <a:buFont typeface="Arial" panose="020B0604020202020204" pitchFamily="34" charset="0"/>
         <a:buChar char="•"/>
-        <a:defRPr sz="840" kern="1200">
+        <a:defRPr sz="756" kern="1200">
           <a:solidFill>
             <a:schemeClr val="tx1"/>
           </a:solidFill>
@@ -2836,16 +2836,16 @@
           <a:cs typeface="+mn-cs"/>
         </a:defRPr>
       </a:lvl8pPr>
-      <a:lvl9pPr marL="1813690" indent="-106688" algn="l" defTabSz="426750" rtl="0" eaLnBrk="1" latinLnBrk="0" hangingPunct="1">
+      <a:lvl9pPr marL="1631815" indent="-95989" algn="l" defTabSz="383957" rtl="0" eaLnBrk="1" latinLnBrk="0" hangingPunct="1">
         <a:lnSpc>
           <a:spcPct val="90000"/>
         </a:lnSpc>
         <a:spcBef>
-          <a:spcPts val="233"/>
+          <a:spcPts val="210"/>
         </a:spcBef>
         <a:buFont typeface="Arial" panose="020B0604020202020204" pitchFamily="34" charset="0"/>
         <a:buChar char="•"/>
-        <a:defRPr sz="840" kern="1200">
+        <a:defRPr sz="756" kern="1200">
           <a:solidFill>
             <a:schemeClr val="tx1"/>
           </a:solidFill>
@@ -2859,8 +2859,8 @@
       <a:defPPr>
         <a:defRPr lang="en-US"/>
       </a:defPPr>
-      <a:lvl1pPr marL="0" algn="l" defTabSz="426750" rtl="0" eaLnBrk="1" latinLnBrk="0" hangingPunct="1">
-        <a:defRPr sz="840" kern="1200">
+      <a:lvl1pPr marL="0" algn="l" defTabSz="383957" rtl="0" eaLnBrk="1" latinLnBrk="0" hangingPunct="1">
+        <a:defRPr sz="756" kern="1200">
           <a:solidFill>
             <a:schemeClr val="tx1"/>
           </a:solidFill>
@@ -2869,8 +2869,8 @@
           <a:cs typeface="+mn-cs"/>
         </a:defRPr>
       </a:lvl1pPr>
-      <a:lvl2pPr marL="213375" algn="l" defTabSz="426750" rtl="0" eaLnBrk="1" latinLnBrk="0" hangingPunct="1">
-        <a:defRPr sz="840" kern="1200">
+      <a:lvl2pPr marL="191978" algn="l" defTabSz="383957" rtl="0" eaLnBrk="1" latinLnBrk="0" hangingPunct="1">
+        <a:defRPr sz="756" kern="1200">
           <a:solidFill>
             <a:schemeClr val="tx1"/>
           </a:solidFill>
@@ -2879,8 +2879,8 @@
           <a:cs typeface="+mn-cs"/>
         </a:defRPr>
       </a:lvl2pPr>
-      <a:lvl3pPr marL="426750" algn="l" defTabSz="426750" rtl="0" eaLnBrk="1" latinLnBrk="0" hangingPunct="1">
-        <a:defRPr sz="840" kern="1200">
+      <a:lvl3pPr marL="383957" algn="l" defTabSz="383957" rtl="0" eaLnBrk="1" latinLnBrk="0" hangingPunct="1">
+        <a:defRPr sz="756" kern="1200">
           <a:solidFill>
             <a:schemeClr val="tx1"/>
           </a:solidFill>
@@ -2889,8 +2889,8 @@
           <a:cs typeface="+mn-cs"/>
         </a:defRPr>
       </a:lvl3pPr>
-      <a:lvl4pPr marL="640126" algn="l" defTabSz="426750" rtl="0" eaLnBrk="1" latinLnBrk="0" hangingPunct="1">
-        <a:defRPr sz="840" kern="1200">
+      <a:lvl4pPr marL="575935" algn="l" defTabSz="383957" rtl="0" eaLnBrk="1" latinLnBrk="0" hangingPunct="1">
+        <a:defRPr sz="756" kern="1200">
           <a:solidFill>
             <a:schemeClr val="tx1"/>
           </a:solidFill>
@@ -2899,8 +2899,8 @@
           <a:cs typeface="+mn-cs"/>
         </a:defRPr>
       </a:lvl4pPr>
-      <a:lvl5pPr marL="853501" algn="l" defTabSz="426750" rtl="0" eaLnBrk="1" latinLnBrk="0" hangingPunct="1">
-        <a:defRPr sz="840" kern="1200">
+      <a:lvl5pPr marL="767913" algn="l" defTabSz="383957" rtl="0" eaLnBrk="1" latinLnBrk="0" hangingPunct="1">
+        <a:defRPr sz="756" kern="1200">
           <a:solidFill>
             <a:schemeClr val="tx1"/>
           </a:solidFill>
@@ -2909,8 +2909,8 @@
           <a:cs typeface="+mn-cs"/>
         </a:defRPr>
       </a:lvl5pPr>
-      <a:lvl6pPr marL="1066876" algn="l" defTabSz="426750" rtl="0" eaLnBrk="1" latinLnBrk="0" hangingPunct="1">
-        <a:defRPr sz="840" kern="1200">
+      <a:lvl6pPr marL="959891" algn="l" defTabSz="383957" rtl="0" eaLnBrk="1" latinLnBrk="0" hangingPunct="1">
+        <a:defRPr sz="756" kern="1200">
           <a:solidFill>
             <a:schemeClr val="tx1"/>
           </a:solidFill>
@@ -2919,8 +2919,8 @@
           <a:cs typeface="+mn-cs"/>
         </a:defRPr>
       </a:lvl6pPr>
-      <a:lvl7pPr marL="1280251" algn="l" defTabSz="426750" rtl="0" eaLnBrk="1" latinLnBrk="0" hangingPunct="1">
-        <a:defRPr sz="840" kern="1200">
+      <a:lvl7pPr marL="1151870" algn="l" defTabSz="383957" rtl="0" eaLnBrk="1" latinLnBrk="0" hangingPunct="1">
+        <a:defRPr sz="756" kern="1200">
           <a:solidFill>
             <a:schemeClr val="tx1"/>
           </a:solidFill>
@@ -2929,8 +2929,8 @@
           <a:cs typeface="+mn-cs"/>
         </a:defRPr>
       </a:lvl7pPr>
-      <a:lvl8pPr marL="1493627" algn="l" defTabSz="426750" rtl="0" eaLnBrk="1" latinLnBrk="0" hangingPunct="1">
-        <a:defRPr sz="840" kern="1200">
+      <a:lvl8pPr marL="1343848" algn="l" defTabSz="383957" rtl="0" eaLnBrk="1" latinLnBrk="0" hangingPunct="1">
+        <a:defRPr sz="756" kern="1200">
           <a:solidFill>
             <a:schemeClr val="tx1"/>
           </a:solidFill>
@@ -2939,8 +2939,8 @@
           <a:cs typeface="+mn-cs"/>
         </a:defRPr>
       </a:lvl8pPr>
-      <a:lvl9pPr marL="1707002" algn="l" defTabSz="426750" rtl="0" eaLnBrk="1" latinLnBrk="0" hangingPunct="1">
-        <a:defRPr sz="840" kern="1200">
+      <a:lvl9pPr marL="1535826" algn="l" defTabSz="383957" rtl="0" eaLnBrk="1" latinLnBrk="0" hangingPunct="1">
+        <a:defRPr sz="756" kern="1200">
           <a:solidFill>
             <a:schemeClr val="tx1"/>
           </a:solidFill>
@@ -2973,10 +2973,10 @@
       </p:grpSpPr>
       <p:grpSp>
         <p:nvGrpSpPr>
-          <p:cNvPr id="14" name="Group 13">
+          <p:cNvPr id="7" name="Group 6">
             <a:extLst>
               <a:ext uri="{FF2B5EF4-FFF2-40B4-BE49-F238E27FC236}">
-                <a16:creationId xmlns:a16="http://schemas.microsoft.com/office/drawing/2014/main" id="{081778F7-E6F4-4A33-CA5E-9B8BD214F71F}"/>
+                <a16:creationId xmlns:a16="http://schemas.microsoft.com/office/drawing/2014/main" id="{C54FDF6B-D981-17E4-C1B7-241ED5FE2DFF}"/>
               </a:ext>
             </a:extLst>
           </p:cNvPr>
@@ -2987,18 +2987,18 @@
         </p:nvGrpSpPr>
         <p:grpSpPr>
           <a:xfrm>
-            <a:off x="0" y="-1085"/>
-            <a:ext cx="4266319" cy="3602355"/>
-            <a:chOff x="60573" y="-20390"/>
-            <a:chExt cx="2558815" cy="2160588"/>
+            <a:off x="0" y="1"/>
+            <a:ext cx="4289527" cy="2520402"/>
+            <a:chOff x="0" y="0"/>
+            <a:chExt cx="4454407" cy="2617281"/>
           </a:xfrm>
         </p:grpSpPr>
         <p:pic>
           <p:nvPicPr>
-            <p:cNvPr id="13" name="Picture 12">
+            <p:cNvPr id="4" name="Picture 3">
               <a:extLst>
                 <a:ext uri="{FF2B5EF4-FFF2-40B4-BE49-F238E27FC236}">
-                  <a16:creationId xmlns:a16="http://schemas.microsoft.com/office/drawing/2014/main" id="{3947DDE5-F844-395A-9CB4-09E06214A7FF}"/>
+                  <a16:creationId xmlns:a16="http://schemas.microsoft.com/office/drawing/2014/main" id="{38E2F4EC-5A98-5975-EC34-FF876EBAC2B8}"/>
                 </a:ext>
               </a:extLst>
             </p:cNvPr>
@@ -3015,8 +3015,8 @@
           </p:blipFill>
           <p:spPr>
             <a:xfrm>
-              <a:off x="1761508" y="-20390"/>
-              <a:ext cx="857880" cy="2160588"/>
+              <a:off x="0" y="0"/>
+              <a:ext cx="1230746" cy="2617281"/>
             </a:xfrm>
             <a:prstGeom prst="rect">
               <a:avLst/>
@@ -3025,10 +3025,10 @@
         </p:pic>
         <p:pic>
           <p:nvPicPr>
-            <p:cNvPr id="9" name="Picture 8">
+            <p:cNvPr id="3" name="Picture 2">
               <a:extLst>
                 <a:ext uri="{FF2B5EF4-FFF2-40B4-BE49-F238E27FC236}">
-                  <a16:creationId xmlns:a16="http://schemas.microsoft.com/office/drawing/2014/main" id="{B48A47D2-689B-413E-6DE2-F575CED123E4}"/>
+                  <a16:creationId xmlns:a16="http://schemas.microsoft.com/office/drawing/2014/main" id="{5FEEEC1F-8287-68F3-278C-FAB0F8727F09}"/>
                 </a:ext>
               </a:extLst>
             </p:cNvPr>
@@ -3045,38 +3045,8 @@
           </p:blipFill>
           <p:spPr>
             <a:xfrm>
-              <a:off x="905746" y="-20390"/>
-              <a:ext cx="857880" cy="2160588"/>
-            </a:xfrm>
-            <a:prstGeom prst="rect">
-              <a:avLst/>
-            </a:prstGeom>
-          </p:spPr>
-        </p:pic>
-        <p:pic>
-          <p:nvPicPr>
-            <p:cNvPr id="5" name="Picture 4">
-              <a:extLst>
-                <a:ext uri="{FF2B5EF4-FFF2-40B4-BE49-F238E27FC236}">
-                  <a16:creationId xmlns:a16="http://schemas.microsoft.com/office/drawing/2014/main" id="{AC0664BB-6AF1-F2FE-2FE6-51820533116C}"/>
-                </a:ext>
-              </a:extLst>
-            </p:cNvPr>
-            <p:cNvPicPr>
-              <a:picLocks noChangeAspect="1"/>
-            </p:cNvPicPr>
-            <p:nvPr/>
-          </p:nvPicPr>
-          <p:blipFill>
-            <a:blip r:embed="rId4"/>
-            <a:stretch>
-              <a:fillRect/>
-            </a:stretch>
-          </p:blipFill>
-          <p:spPr>
-            <a:xfrm>
-              <a:off x="60573" y="-20390"/>
-              <a:ext cx="855762" cy="2160588"/>
+              <a:off x="1230746" y="0"/>
+              <a:ext cx="3223661" cy="2617281"/>
             </a:xfrm>
             <a:prstGeom prst="rect">
               <a:avLst/>
@@ -3086,10 +3056,10 @@
       </p:grpSp>
       <p:sp>
         <p:nvSpPr>
-          <p:cNvPr id="20" name="Oval 19">
+          <p:cNvPr id="21" name="Oval 20">
             <a:extLst>
               <a:ext uri="{FF2B5EF4-FFF2-40B4-BE49-F238E27FC236}">
-                <a16:creationId xmlns:a16="http://schemas.microsoft.com/office/drawing/2014/main" id="{AC10DFDB-87CB-2181-F40F-69914990F01F}"/>
+                <a16:creationId xmlns:a16="http://schemas.microsoft.com/office/drawing/2014/main" id="{7B7E65E5-D0EA-1CB2-2B2F-426052726E2C}"/>
               </a:ext>
             </a:extLst>
           </p:cNvPr>
@@ -3100,7 +3070,7 @@
         </p:nvSpPr>
         <p:spPr>
           <a:xfrm>
-            <a:off x="912860" y="2595140"/>
+            <a:off x="2007600" y="2162131"/>
             <a:ext cx="252000" cy="252000"/>
           </a:xfrm>
           <a:prstGeom prst="ellipse">
@@ -3142,7 +3112,7 @@
                 <a:latin typeface="Arial" panose="020B0604020202020204" pitchFamily="34" charset="0"/>
                 <a:cs typeface="Arial" panose="020B0604020202020204" pitchFamily="34" charset="0"/>
               </a:rPr>
-              <a:t>a</a:t>
+              <a:t>b</a:t>
             </a:r>
             <a:endParaRPr lang="en-SE" sz="1200" dirty="0">
               <a:latin typeface="Arial" panose="020B0604020202020204" pitchFamily="34" charset="0"/>
@@ -3153,10 +3123,10 @@
       </p:sp>
       <p:sp>
         <p:nvSpPr>
-          <p:cNvPr id="2" name="Rectangle 1">
+          <p:cNvPr id="12" name="Rectangle 11">
             <a:extLst>
               <a:ext uri="{FF2B5EF4-FFF2-40B4-BE49-F238E27FC236}">
-                <a16:creationId xmlns:a16="http://schemas.microsoft.com/office/drawing/2014/main" id="{9F5242C2-C853-73E6-6B05-15CD2146B7B1}"/>
+                <a16:creationId xmlns:a16="http://schemas.microsoft.com/office/drawing/2014/main" id="{3A336E71-5641-879F-DB89-9A93E8D8348D}"/>
               </a:ext>
             </a:extLst>
           </p:cNvPr>
@@ -3165,8 +3135,8 @@
         </p:nvSpPr>
         <p:spPr>
           <a:xfrm>
-            <a:off x="1426814" y="823780"/>
-            <a:ext cx="1354485" cy="925198"/>
+            <a:off x="1201064" y="1034419"/>
+            <a:ext cx="3021684" cy="1203955"/>
           </a:xfrm>
           <a:prstGeom prst="rect">
             <a:avLst/>
@@ -3200,19 +3170,72 @@
           <a:lstStyle/>
           <a:p>
             <a:pPr algn="ctr"/>
-            <a:endParaRPr lang="en-SE"/>
-          </a:p>
-        </p:txBody>
-      </p:sp>
-      <p:sp>
-        <p:nvSpPr>
-          <p:cNvPr id="21" name="Oval 20">
+            <a:endParaRPr lang="en-SE" dirty="0"/>
+          </a:p>
+        </p:txBody>
+      </p:sp>
+      <p:sp>
+        <p:nvSpPr>
+          <p:cNvPr id="8" name="Rectangle 7">
             <a:extLst>
               <a:ext uri="{FF2B5EF4-FFF2-40B4-BE49-F238E27FC236}">
-                <a16:creationId xmlns:a16="http://schemas.microsoft.com/office/drawing/2014/main" id="{7B7E65E5-D0EA-1CB2-2B2F-426052726E2C}"/>
+                <a16:creationId xmlns:a16="http://schemas.microsoft.com/office/drawing/2014/main" id="{313BA05D-FECF-8B87-1BEA-83DBD0395B04}"/>
               </a:ext>
             </a:extLst>
           </p:cNvPr>
+          <p:cNvSpPr/>
+          <p:nvPr/>
+        </p:nvSpPr>
+        <p:spPr>
+          <a:xfrm flipV="1">
+            <a:off x="1201063" y="2238374"/>
+            <a:ext cx="3021685" cy="111126"/>
+          </a:xfrm>
+          <a:prstGeom prst="rect">
+            <a:avLst/>
+          </a:prstGeom>
+          <a:noFill/>
+          <a:ln w="12700">
+            <a:solidFill>
+              <a:srgbClr val="F4B183"/>
+            </a:solidFill>
+            <a:prstDash val="sysDot"/>
+          </a:ln>
+        </p:spPr>
+        <p:style>
+          <a:lnRef idx="2">
+            <a:schemeClr val="accent1">
+              <a:shade val="15000"/>
+            </a:schemeClr>
+          </a:lnRef>
+          <a:fillRef idx="1">
+            <a:schemeClr val="accent1"/>
+          </a:fillRef>
+          <a:effectRef idx="0">
+            <a:schemeClr val="accent1"/>
+          </a:effectRef>
+          <a:fontRef idx="minor">
+            <a:schemeClr val="lt1"/>
+          </a:fontRef>
+        </p:style>
+        <p:txBody>
+          <a:bodyPr rtlCol="0" anchor="ctr"/>
+          <a:lstStyle/>
+          <a:p>
+            <a:pPr algn="ctr"/>
+            <a:endParaRPr lang="en-SE" dirty="0"/>
+          </a:p>
+        </p:txBody>
+      </p:sp>
+      <p:sp>
+        <p:nvSpPr>
+          <p:cNvPr id="20" name="Oval 19">
+            <a:extLst>
+              <a:ext uri="{FF2B5EF4-FFF2-40B4-BE49-F238E27FC236}">
+                <a16:creationId xmlns:a16="http://schemas.microsoft.com/office/drawing/2014/main" id="{AC10DFDB-87CB-2181-F40F-69914990F01F}"/>
+              </a:ext>
+            </a:extLst>
+          </p:cNvPr>
           <p:cNvSpPr>
             <a:spLocks noChangeAspect="1"/>
           </p:cNvSpPr>
@@ -3220,7 +3243,7 @@
         </p:nvSpPr>
         <p:spPr>
           <a:xfrm>
-            <a:off x="2080554" y="1160379"/>
+            <a:off x="2007600" y="908419"/>
             <a:ext cx="252000" cy="252000"/>
           </a:xfrm>
           <a:prstGeom prst="ellipse">
@@ -3262,252 +3285,12 @@
                 <a:latin typeface="Arial" panose="020B0604020202020204" pitchFamily="34" charset="0"/>
                 <a:cs typeface="Arial" panose="020B0604020202020204" pitchFamily="34" charset="0"/>
               </a:rPr>
-              <a:t>b</a:t>
+              <a:t>a</a:t>
             </a:r>
             <a:endParaRPr lang="en-SE" sz="1200" dirty="0">
               <a:latin typeface="Arial" panose="020B0604020202020204" pitchFamily="34" charset="0"/>
               <a:cs typeface="Arial" panose="020B0604020202020204" pitchFamily="34" charset="0"/>
             </a:endParaRPr>
-          </a:p>
-        </p:txBody>
-      </p:sp>
-      <p:sp>
-        <p:nvSpPr>
-          <p:cNvPr id="16" name="Oval 15">
-            <a:extLst>
-              <a:ext uri="{FF2B5EF4-FFF2-40B4-BE49-F238E27FC236}">
-                <a16:creationId xmlns:a16="http://schemas.microsoft.com/office/drawing/2014/main" id="{8969FB0A-DAD6-41C5-4C21-6132D2028DAC}"/>
-              </a:ext>
-            </a:extLst>
-          </p:cNvPr>
-          <p:cNvSpPr>
-            <a:spLocks noChangeAspect="1"/>
-          </p:cNvSpPr>
-          <p:nvPr/>
-        </p:nvSpPr>
-        <p:spPr>
-          <a:xfrm>
-            <a:off x="2543207" y="2392230"/>
-            <a:ext cx="252000" cy="252000"/>
-          </a:xfrm>
-          <a:prstGeom prst="ellipse">
-            <a:avLst/>
-          </a:prstGeom>
-          <a:solidFill>
-            <a:schemeClr val="accent2">
-              <a:lumMod val="60000"/>
-              <a:lumOff val="40000"/>
-            </a:schemeClr>
-          </a:solidFill>
-          <a:ln>
-            <a:noFill/>
-          </a:ln>
-        </p:spPr>
-        <p:style>
-          <a:lnRef idx="2">
-            <a:schemeClr val="accent1">
-              <a:shade val="15000"/>
-            </a:schemeClr>
-          </a:lnRef>
-          <a:fillRef idx="1">
-            <a:schemeClr val="accent1"/>
-          </a:fillRef>
-          <a:effectRef idx="0">
-            <a:schemeClr val="accent1"/>
-          </a:effectRef>
-          <a:fontRef idx="minor">
-            <a:schemeClr val="lt1"/>
-          </a:fontRef>
-        </p:style>
-        <p:txBody>
-          <a:bodyPr tIns="72000" bIns="108000" rtlCol="0" anchor="ctr"/>
-          <a:lstStyle/>
-          <a:p>
-            <a:pPr algn="ctr"/>
-            <a:r>
-              <a:rPr lang="en-GB" sz="1200" dirty="0">
-                <a:latin typeface="Arial" panose="020B0604020202020204" pitchFamily="34" charset="0"/>
-                <a:cs typeface="Arial" panose="020B0604020202020204" pitchFamily="34" charset="0"/>
-              </a:rPr>
-              <a:t>c</a:t>
-            </a:r>
-            <a:endParaRPr lang="en-SE" sz="1200" dirty="0">
-              <a:latin typeface="Arial" panose="020B0604020202020204" pitchFamily="34" charset="0"/>
-              <a:cs typeface="Arial" panose="020B0604020202020204" pitchFamily="34" charset="0"/>
-            </a:endParaRPr>
-          </a:p>
-        </p:txBody>
-      </p:sp>
-      <p:sp>
-        <p:nvSpPr>
-          <p:cNvPr id="17" name="Rectangle 16">
-            <a:extLst>
-              <a:ext uri="{FF2B5EF4-FFF2-40B4-BE49-F238E27FC236}">
-                <a16:creationId xmlns:a16="http://schemas.microsoft.com/office/drawing/2014/main" id="{9E15B1E7-5692-57D1-A3AF-073EB29A677C}"/>
-              </a:ext>
-            </a:extLst>
-          </p:cNvPr>
-          <p:cNvSpPr/>
-          <p:nvPr/>
-        </p:nvSpPr>
-        <p:spPr>
-          <a:xfrm>
-            <a:off x="1719580" y="2625594"/>
-            <a:ext cx="1116393" cy="99060"/>
-          </a:xfrm>
-          <a:prstGeom prst="rect">
-            <a:avLst/>
-          </a:prstGeom>
-          <a:noFill/>
-          <a:ln w="12700">
-            <a:solidFill>
-              <a:srgbClr val="F4B183"/>
-            </a:solidFill>
-            <a:prstDash val="sysDot"/>
-          </a:ln>
-        </p:spPr>
-        <p:style>
-          <a:lnRef idx="2">
-            <a:schemeClr val="accent1">
-              <a:shade val="15000"/>
-            </a:schemeClr>
-          </a:lnRef>
-          <a:fillRef idx="1">
-            <a:schemeClr val="accent1"/>
-          </a:fillRef>
-          <a:effectRef idx="0">
-            <a:schemeClr val="accent1"/>
-          </a:effectRef>
-          <a:fontRef idx="minor">
-            <a:schemeClr val="lt1"/>
-          </a:fontRef>
-        </p:style>
-        <p:txBody>
-          <a:bodyPr rtlCol="0" anchor="ctr"/>
-          <a:lstStyle/>
-          <a:p>
-            <a:pPr algn="ctr"/>
-            <a:endParaRPr lang="en-SE"/>
-          </a:p>
-        </p:txBody>
-      </p:sp>
-      <p:sp>
-        <p:nvSpPr>
-          <p:cNvPr id="33" name="Oval 32">
-            <a:extLst>
-              <a:ext uri="{FF2B5EF4-FFF2-40B4-BE49-F238E27FC236}">
-                <a16:creationId xmlns:a16="http://schemas.microsoft.com/office/drawing/2014/main" id="{48E89219-C5C8-0714-2FE3-A8A87372C0D9}"/>
-              </a:ext>
-            </a:extLst>
-          </p:cNvPr>
-          <p:cNvSpPr>
-            <a:spLocks noChangeAspect="1"/>
-          </p:cNvSpPr>
-          <p:nvPr/>
-        </p:nvSpPr>
-        <p:spPr>
-          <a:xfrm>
-            <a:off x="2543207" y="3029356"/>
-            <a:ext cx="252000" cy="252000"/>
-          </a:xfrm>
-          <a:prstGeom prst="ellipse">
-            <a:avLst/>
-          </a:prstGeom>
-          <a:solidFill>
-            <a:schemeClr val="accent2">
-              <a:lumMod val="60000"/>
-              <a:lumOff val="40000"/>
-            </a:schemeClr>
-          </a:solidFill>
-          <a:ln>
-            <a:noFill/>
-          </a:ln>
-        </p:spPr>
-        <p:style>
-          <a:lnRef idx="2">
-            <a:schemeClr val="accent1">
-              <a:shade val="15000"/>
-            </a:schemeClr>
-          </a:lnRef>
-          <a:fillRef idx="1">
-            <a:schemeClr val="accent1"/>
-          </a:fillRef>
-          <a:effectRef idx="0">
-            <a:schemeClr val="accent1"/>
-          </a:effectRef>
-          <a:fontRef idx="minor">
-            <a:schemeClr val="lt1"/>
-          </a:fontRef>
-        </p:style>
-        <p:txBody>
-          <a:bodyPr tIns="72000" bIns="108000" rtlCol="0" anchor="ctr"/>
-          <a:lstStyle/>
-          <a:p>
-            <a:pPr algn="ctr"/>
-            <a:r>
-              <a:rPr lang="en-GB" sz="1200" dirty="0">
-                <a:latin typeface="Arial" panose="020B0604020202020204" pitchFamily="34" charset="0"/>
-                <a:cs typeface="Arial" panose="020B0604020202020204" pitchFamily="34" charset="0"/>
-              </a:rPr>
-              <a:t>d</a:t>
-            </a:r>
-            <a:endParaRPr lang="en-SE" sz="1200" dirty="0">
-              <a:latin typeface="Arial" panose="020B0604020202020204" pitchFamily="34" charset="0"/>
-              <a:cs typeface="Arial" panose="020B0604020202020204" pitchFamily="34" charset="0"/>
-            </a:endParaRPr>
-          </a:p>
-        </p:txBody>
-      </p:sp>
-      <p:sp>
-        <p:nvSpPr>
-          <p:cNvPr id="34" name="Rectangle 33">
-            <a:extLst>
-              <a:ext uri="{FF2B5EF4-FFF2-40B4-BE49-F238E27FC236}">
-                <a16:creationId xmlns:a16="http://schemas.microsoft.com/office/drawing/2014/main" id="{A6AEFFED-EF7D-A99E-323E-B90D30DB01E5}"/>
-              </a:ext>
-            </a:extLst>
-          </p:cNvPr>
-          <p:cNvSpPr/>
-          <p:nvPr/>
-        </p:nvSpPr>
-        <p:spPr>
-          <a:xfrm>
-            <a:off x="1719580" y="2958018"/>
-            <a:ext cx="1116393" cy="99060"/>
-          </a:xfrm>
-          <a:prstGeom prst="rect">
-            <a:avLst/>
-          </a:prstGeom>
-          <a:noFill/>
-          <a:ln w="12700">
-            <a:solidFill>
-              <a:srgbClr val="F4B183"/>
-            </a:solidFill>
-            <a:prstDash val="sysDot"/>
-          </a:ln>
-        </p:spPr>
-        <p:style>
-          <a:lnRef idx="2">
-            <a:schemeClr val="accent1">
-              <a:shade val="15000"/>
-            </a:schemeClr>
-          </a:lnRef>
-          <a:fillRef idx="1">
-            <a:schemeClr val="accent1"/>
-          </a:fillRef>
-          <a:effectRef idx="0">
-            <a:schemeClr val="accent1"/>
-          </a:effectRef>
-          <a:fontRef idx="minor">
-            <a:schemeClr val="lt1"/>
-          </a:fontRef>
-        </p:style>
-        <p:txBody>
-          <a:bodyPr rtlCol="0" anchor="ctr"/>
-          <a:lstStyle/>
-          <a:p>
-            <a:pPr algn="ctr"/>
-            <a:endParaRPr lang="en-SE"/>
           </a:p>
         </p:txBody>
       </p:sp>
